--- a/images/yvent_images.pptx
+++ b/images/yvent_images.pptx
@@ -6,6 +6,8 @@
   </p:sldMasterIdLst>
   <p:sldIdLst>
     <p:sldId id="256" r:id="rId2"/>
+    <p:sldId id="257" r:id="rId3"/>
+    <p:sldId id="258" r:id="rId4"/>
   </p:sldIdLst>
   <p:sldSz cx="12192000" cy="6858000"/>
   <p:notesSz cx="6858000" cy="9144000"/>
@@ -104,6 +106,11 @@
       </a:defRPr>
     </a:lvl9pPr>
   </p:defaultTextStyle>
+  <p:extLst>
+    <p:ext uri="{EFAFB233-063F-42B5-8137-9DF3F51BA10A}">
+      <p15:sldGuideLst xmlns:p15="http://schemas.microsoft.com/office/powerpoint/2012/main"/>
+    </p:ext>
+  </p:extLst>
 </p:presentation>
 </file>
 
@@ -254,7 +261,7 @@
           <a:p>
             <a:fld id="{AEB85999-FE05-4A12-ABAB-F40B557C40D7}" type="datetimeFigureOut">
               <a:rPr lang="en-US" smtClean="0"/>
-              <a:t>4/3/2020</a:t>
+              <a:t>4/5/2020</a:t>
             </a:fld>
             <a:endParaRPr lang="en-US"/>
           </a:p>
@@ -452,7 +459,7 @@
           <a:p>
             <a:fld id="{AEB85999-FE05-4A12-ABAB-F40B557C40D7}" type="datetimeFigureOut">
               <a:rPr lang="en-US" smtClean="0"/>
-              <a:t>4/3/2020</a:t>
+              <a:t>4/5/2020</a:t>
             </a:fld>
             <a:endParaRPr lang="en-US"/>
           </a:p>
@@ -660,7 +667,7 @@
           <a:p>
             <a:fld id="{AEB85999-FE05-4A12-ABAB-F40B557C40D7}" type="datetimeFigureOut">
               <a:rPr lang="en-US" smtClean="0"/>
-              <a:t>4/3/2020</a:t>
+              <a:t>4/5/2020</a:t>
             </a:fld>
             <a:endParaRPr lang="en-US"/>
           </a:p>
@@ -858,7 +865,7 @@
           <a:p>
             <a:fld id="{AEB85999-FE05-4A12-ABAB-F40B557C40D7}" type="datetimeFigureOut">
               <a:rPr lang="en-US" smtClean="0"/>
-              <a:t>4/3/2020</a:t>
+              <a:t>4/5/2020</a:t>
             </a:fld>
             <a:endParaRPr lang="en-US"/>
           </a:p>
@@ -1133,7 +1140,7 @@
           <a:p>
             <a:fld id="{AEB85999-FE05-4A12-ABAB-F40B557C40D7}" type="datetimeFigureOut">
               <a:rPr lang="en-US" smtClean="0"/>
-              <a:t>4/3/2020</a:t>
+              <a:t>4/5/2020</a:t>
             </a:fld>
             <a:endParaRPr lang="en-US"/>
           </a:p>
@@ -1398,7 +1405,7 @@
           <a:p>
             <a:fld id="{AEB85999-FE05-4A12-ABAB-F40B557C40D7}" type="datetimeFigureOut">
               <a:rPr lang="en-US" smtClean="0"/>
-              <a:t>4/3/2020</a:t>
+              <a:t>4/5/2020</a:t>
             </a:fld>
             <a:endParaRPr lang="en-US"/>
           </a:p>
@@ -1810,7 +1817,7 @@
           <a:p>
             <a:fld id="{AEB85999-FE05-4A12-ABAB-F40B557C40D7}" type="datetimeFigureOut">
               <a:rPr lang="en-US" smtClean="0"/>
-              <a:t>4/3/2020</a:t>
+              <a:t>4/5/2020</a:t>
             </a:fld>
             <a:endParaRPr lang="en-US"/>
           </a:p>
@@ -1951,7 +1958,7 @@
           <a:p>
             <a:fld id="{AEB85999-FE05-4A12-ABAB-F40B557C40D7}" type="datetimeFigureOut">
               <a:rPr lang="en-US" smtClean="0"/>
-              <a:t>4/3/2020</a:t>
+              <a:t>4/5/2020</a:t>
             </a:fld>
             <a:endParaRPr lang="en-US"/>
           </a:p>
@@ -2064,7 +2071,7 @@
           <a:p>
             <a:fld id="{AEB85999-FE05-4A12-ABAB-F40B557C40D7}" type="datetimeFigureOut">
               <a:rPr lang="en-US" smtClean="0"/>
-              <a:t>4/3/2020</a:t>
+              <a:t>4/5/2020</a:t>
             </a:fld>
             <a:endParaRPr lang="en-US"/>
           </a:p>
@@ -2375,7 +2382,7 @@
           <a:p>
             <a:fld id="{AEB85999-FE05-4A12-ABAB-F40B557C40D7}" type="datetimeFigureOut">
               <a:rPr lang="en-US" smtClean="0"/>
-              <a:t>4/3/2020</a:t>
+              <a:t>4/5/2020</a:t>
             </a:fld>
             <a:endParaRPr lang="en-US"/>
           </a:p>
@@ -2663,7 +2670,7 @@
           <a:p>
             <a:fld id="{AEB85999-FE05-4A12-ABAB-F40B557C40D7}" type="datetimeFigureOut">
               <a:rPr lang="en-US" smtClean="0"/>
-              <a:t>4/3/2020</a:t>
+              <a:t>4/5/2020</a:t>
             </a:fld>
             <a:endParaRPr lang="en-US"/>
           </a:p>
@@ -2904,7 +2911,7 @@
           <a:p>
             <a:fld id="{AEB85999-FE05-4A12-ABAB-F40B557C40D7}" type="datetimeFigureOut">
               <a:rPr lang="en-US" smtClean="0"/>
-              <a:t>4/3/2020</a:t>
+              <a:t>4/5/2020</a:t>
             </a:fld>
             <a:endParaRPr lang="en-US"/>
           </a:p>
@@ -3570,6 +3577,876 @@
 </p:sld>
 </file>
 
+<file path=ppt/slides/slide2.xml><?xml version="1.0" encoding="utf-8"?>
+<p:sld xmlns:a="http://schemas.openxmlformats.org/drawingml/2006/main" xmlns:r="http://schemas.openxmlformats.org/officeDocument/2006/relationships" xmlns:p="http://schemas.openxmlformats.org/presentationml/2006/main">
+  <p:cSld>
+    <p:spTree>
+      <p:nvGrpSpPr>
+        <p:cNvPr id="1" name=""/>
+        <p:cNvGrpSpPr/>
+        <p:nvPr/>
+      </p:nvGrpSpPr>
+      <p:grpSpPr>
+        <a:xfrm>
+          <a:off x="0" y="0"/>
+          <a:ext cx="0" cy="0"/>
+          <a:chOff x="0" y="0"/>
+          <a:chExt cx="0" cy="0"/>
+        </a:xfrm>
+      </p:grpSpPr>
+      <p:cxnSp>
+        <p:nvCxnSpPr>
+          <p:cNvPr id="22" name="Straight Arrow Connector 21">
+            <a:extLst>
+              <a:ext uri="{FF2B5EF4-FFF2-40B4-BE49-F238E27FC236}">
+                <a16:creationId xmlns:a16="http://schemas.microsoft.com/office/drawing/2014/main" id="{94726C3F-3A2B-4DCB-9DFE-3257C75A72DC}"/>
+              </a:ext>
+            </a:extLst>
+          </p:cNvPr>
+          <p:cNvCxnSpPr>
+            <a:cxnSpLocks/>
+          </p:cNvCxnSpPr>
+          <p:nvPr/>
+        </p:nvCxnSpPr>
+        <p:spPr>
+          <a:xfrm flipH="1">
+            <a:off x="5261374" y="3786188"/>
+            <a:ext cx="2637233" cy="0"/>
+          </a:xfrm>
+          <a:prstGeom prst="straightConnector1">
+            <a:avLst/>
+          </a:prstGeom>
+          <a:ln w="76200">
+            <a:tailEnd type="triangle"/>
+          </a:ln>
+        </p:spPr>
+        <p:style>
+          <a:lnRef idx="1">
+            <a:schemeClr val="dk1"/>
+          </a:lnRef>
+          <a:fillRef idx="0">
+            <a:schemeClr val="dk1"/>
+          </a:fillRef>
+          <a:effectRef idx="0">
+            <a:schemeClr val="dk1"/>
+          </a:effectRef>
+          <a:fontRef idx="minor">
+            <a:schemeClr val="tx1"/>
+          </a:fontRef>
+        </p:style>
+      </p:cxnSp>
+      <p:sp>
+        <p:nvSpPr>
+          <p:cNvPr id="4" name="Rectangle 3">
+            <a:extLst>
+              <a:ext uri="{FF2B5EF4-FFF2-40B4-BE49-F238E27FC236}">
+                <a16:creationId xmlns:a16="http://schemas.microsoft.com/office/drawing/2014/main" id="{154F4658-3128-4551-8B83-8F5FBB8FD2EE}"/>
+              </a:ext>
+            </a:extLst>
+          </p:cNvPr>
+          <p:cNvSpPr/>
+          <p:nvPr/>
+        </p:nvSpPr>
+        <p:spPr>
+          <a:xfrm>
+            <a:off x="1201342" y="635793"/>
+            <a:ext cx="2300288" cy="1328737"/>
+          </a:xfrm>
+          <a:prstGeom prst="rect">
+            <a:avLst/>
+          </a:prstGeom>
+        </p:spPr>
+        <p:style>
+          <a:lnRef idx="2">
+            <a:schemeClr val="accent2">
+              <a:shade val="50000"/>
+            </a:schemeClr>
+          </a:lnRef>
+          <a:fillRef idx="1">
+            <a:schemeClr val="accent2"/>
+          </a:fillRef>
+          <a:effectRef idx="0">
+            <a:schemeClr val="accent2"/>
+          </a:effectRef>
+          <a:fontRef idx="minor">
+            <a:schemeClr val="lt1"/>
+          </a:fontRef>
+        </p:style>
+        <p:txBody>
+          <a:bodyPr rtlCol="0" anchor="ctr"/>
+          <a:lstStyle/>
+          <a:p>
+            <a:pPr algn="ctr"/>
+            <a:r>
+              <a:rPr lang="en-US" dirty="0"/>
+              <a:t>Compressor</a:t>
+            </a:r>
+          </a:p>
+          <a:p>
+            <a:pPr algn="ctr"/>
+            <a:r>
+              <a:rPr lang="en-US" dirty="0"/>
+              <a:t>Fixed 50 PSI Output</a:t>
+            </a:r>
+          </a:p>
+        </p:txBody>
+      </p:sp>
+      <p:sp>
+        <p:nvSpPr>
+          <p:cNvPr id="5" name="Rectangle 4">
+            <a:extLst>
+              <a:ext uri="{FF2B5EF4-FFF2-40B4-BE49-F238E27FC236}">
+                <a16:creationId xmlns:a16="http://schemas.microsoft.com/office/drawing/2014/main" id="{FAAED494-6348-45EE-98D1-D9E11558E2CC}"/>
+              </a:ext>
+            </a:extLst>
+          </p:cNvPr>
+          <p:cNvSpPr/>
+          <p:nvPr/>
+        </p:nvSpPr>
+        <p:spPr>
+          <a:xfrm>
+            <a:off x="4553546" y="635793"/>
+            <a:ext cx="2300288" cy="1328737"/>
+          </a:xfrm>
+          <a:prstGeom prst="rect">
+            <a:avLst/>
+          </a:prstGeom>
+        </p:spPr>
+        <p:style>
+          <a:lnRef idx="2">
+            <a:schemeClr val="accent3">
+              <a:shade val="50000"/>
+            </a:schemeClr>
+          </a:lnRef>
+          <a:fillRef idx="1">
+            <a:schemeClr val="accent3"/>
+          </a:fillRef>
+          <a:effectRef idx="0">
+            <a:schemeClr val="accent3"/>
+          </a:effectRef>
+          <a:fontRef idx="minor">
+            <a:schemeClr val="lt1"/>
+          </a:fontRef>
+        </p:style>
+        <p:txBody>
+          <a:bodyPr rtlCol="0" anchor="ctr"/>
+          <a:lstStyle/>
+          <a:p>
+            <a:pPr algn="ctr"/>
+            <a:r>
+              <a:rPr lang="en-US" dirty="0"/>
+              <a:t>Pressure Regulator</a:t>
+            </a:r>
+          </a:p>
+          <a:p>
+            <a:pPr algn="ctr"/>
+            <a:r>
+              <a:rPr lang="en-US" dirty="0"/>
+              <a:t>0 – 2 psi</a:t>
+            </a:r>
+          </a:p>
+        </p:txBody>
+      </p:sp>
+      <p:sp>
+        <p:nvSpPr>
+          <p:cNvPr id="6" name="Rectangle 5">
+            <a:extLst>
+              <a:ext uri="{FF2B5EF4-FFF2-40B4-BE49-F238E27FC236}">
+                <a16:creationId xmlns:a16="http://schemas.microsoft.com/office/drawing/2014/main" id="{E0D20FAE-90D3-4EA0-8AE6-50DD30C012C9}"/>
+              </a:ext>
+            </a:extLst>
+          </p:cNvPr>
+          <p:cNvSpPr/>
+          <p:nvPr/>
+        </p:nvSpPr>
+        <p:spPr>
+          <a:xfrm>
+            <a:off x="7905751" y="635793"/>
+            <a:ext cx="2300288" cy="1328737"/>
+          </a:xfrm>
+          <a:prstGeom prst="rect">
+            <a:avLst/>
+          </a:prstGeom>
+        </p:spPr>
+        <p:style>
+          <a:lnRef idx="2">
+            <a:schemeClr val="accent4">
+              <a:shade val="50000"/>
+            </a:schemeClr>
+          </a:lnRef>
+          <a:fillRef idx="1">
+            <a:schemeClr val="accent4"/>
+          </a:fillRef>
+          <a:effectRef idx="0">
+            <a:schemeClr val="accent4"/>
+          </a:effectRef>
+          <a:fontRef idx="minor">
+            <a:schemeClr val="lt1"/>
+          </a:fontRef>
+        </p:style>
+        <p:txBody>
+          <a:bodyPr rtlCol="0" anchor="ctr"/>
+          <a:lstStyle/>
+          <a:p>
+            <a:pPr algn="ctr"/>
+            <a:r>
+              <a:rPr lang="en-US" dirty="0"/>
+              <a:t>3 Gallon Tank</a:t>
+            </a:r>
+          </a:p>
+          <a:p>
+            <a:pPr algn="ctr"/>
+            <a:r>
+              <a:rPr lang="en-US" dirty="0"/>
+              <a:t>(optional)</a:t>
+            </a:r>
+          </a:p>
+        </p:txBody>
+      </p:sp>
+      <p:sp>
+        <p:nvSpPr>
+          <p:cNvPr id="7" name="Rectangle 6">
+            <a:extLst>
+              <a:ext uri="{FF2B5EF4-FFF2-40B4-BE49-F238E27FC236}">
+                <a16:creationId xmlns:a16="http://schemas.microsoft.com/office/drawing/2014/main" id="{369DA588-7812-41E8-8EBF-B0D440E17B87}"/>
+              </a:ext>
+            </a:extLst>
+          </p:cNvPr>
+          <p:cNvSpPr/>
+          <p:nvPr/>
+        </p:nvSpPr>
+        <p:spPr>
+          <a:xfrm>
+            <a:off x="7905751" y="3128962"/>
+            <a:ext cx="2300288" cy="1328737"/>
+          </a:xfrm>
+          <a:prstGeom prst="rect">
+            <a:avLst/>
+          </a:prstGeom>
+          <a:solidFill>
+            <a:srgbClr val="7030A0"/>
+          </a:solidFill>
+        </p:spPr>
+        <p:style>
+          <a:lnRef idx="2">
+            <a:schemeClr val="accent2">
+              <a:shade val="50000"/>
+            </a:schemeClr>
+          </a:lnRef>
+          <a:fillRef idx="1">
+            <a:schemeClr val="accent2"/>
+          </a:fillRef>
+          <a:effectRef idx="0">
+            <a:schemeClr val="accent2"/>
+          </a:effectRef>
+          <a:fontRef idx="minor">
+            <a:schemeClr val="lt1"/>
+          </a:fontRef>
+        </p:style>
+        <p:txBody>
+          <a:bodyPr rtlCol="0" anchor="ctr"/>
+          <a:lstStyle/>
+          <a:p>
+            <a:pPr algn="ctr"/>
+            <a:r>
+              <a:rPr lang="en-US" dirty="0"/>
+              <a:t>Y-VENT</a:t>
+            </a:r>
+          </a:p>
+        </p:txBody>
+      </p:sp>
+      <p:sp>
+        <p:nvSpPr>
+          <p:cNvPr id="8" name="Rectangle 7">
+            <a:extLst>
+              <a:ext uri="{FF2B5EF4-FFF2-40B4-BE49-F238E27FC236}">
+                <a16:creationId xmlns:a16="http://schemas.microsoft.com/office/drawing/2014/main" id="{8EE1FB0D-2266-4912-B959-A525F48F6F4E}"/>
+              </a:ext>
+            </a:extLst>
+          </p:cNvPr>
+          <p:cNvSpPr/>
+          <p:nvPr/>
+        </p:nvSpPr>
+        <p:spPr>
+          <a:xfrm>
+            <a:off x="10279859" y="1964530"/>
+            <a:ext cx="1604962" cy="864395"/>
+          </a:xfrm>
+          <a:prstGeom prst="rect">
+            <a:avLst/>
+          </a:prstGeom>
+        </p:spPr>
+        <p:style>
+          <a:lnRef idx="2">
+            <a:schemeClr val="accent6">
+              <a:shade val="50000"/>
+            </a:schemeClr>
+          </a:lnRef>
+          <a:fillRef idx="1">
+            <a:schemeClr val="accent6"/>
+          </a:fillRef>
+          <a:effectRef idx="0">
+            <a:schemeClr val="accent6"/>
+          </a:effectRef>
+          <a:fontRef idx="minor">
+            <a:schemeClr val="lt1"/>
+          </a:fontRef>
+        </p:style>
+        <p:txBody>
+          <a:bodyPr rtlCol="0" anchor="ctr"/>
+          <a:lstStyle/>
+          <a:p>
+            <a:pPr algn="ctr"/>
+            <a:r>
+              <a:rPr lang="en-US" dirty="0"/>
+              <a:t>Handheld Pressure Gauge</a:t>
+            </a:r>
+          </a:p>
+        </p:txBody>
+      </p:sp>
+      <p:sp>
+        <p:nvSpPr>
+          <p:cNvPr id="10" name="Rectangle 9">
+            <a:extLst>
+              <a:ext uri="{FF2B5EF4-FFF2-40B4-BE49-F238E27FC236}">
+                <a16:creationId xmlns:a16="http://schemas.microsoft.com/office/drawing/2014/main" id="{C0139FF0-1BD7-4F80-841A-F8AC77218DE7}"/>
+              </a:ext>
+            </a:extLst>
+          </p:cNvPr>
+          <p:cNvSpPr/>
+          <p:nvPr/>
+        </p:nvSpPr>
+        <p:spPr>
+          <a:xfrm>
+            <a:off x="6096000" y="3457573"/>
+            <a:ext cx="1604962" cy="614362"/>
+          </a:xfrm>
+          <a:prstGeom prst="rect">
+            <a:avLst/>
+          </a:prstGeom>
+        </p:spPr>
+        <p:style>
+          <a:lnRef idx="2">
+            <a:schemeClr val="accent1">
+              <a:shade val="50000"/>
+            </a:schemeClr>
+          </a:lnRef>
+          <a:fillRef idx="1">
+            <a:schemeClr val="accent1"/>
+          </a:fillRef>
+          <a:effectRef idx="0">
+            <a:schemeClr val="accent1"/>
+          </a:effectRef>
+          <a:fontRef idx="minor">
+            <a:schemeClr val="lt1"/>
+          </a:fontRef>
+        </p:style>
+        <p:txBody>
+          <a:bodyPr rtlCol="0" anchor="ctr"/>
+          <a:lstStyle/>
+          <a:p>
+            <a:pPr algn="ctr"/>
+            <a:r>
+              <a:rPr lang="en-US" dirty="0"/>
+              <a:t>Flow Sensor (SFM3000)</a:t>
+            </a:r>
+          </a:p>
+        </p:txBody>
+      </p:sp>
+      <p:sp>
+        <p:nvSpPr>
+          <p:cNvPr id="11" name="Rectangle 10">
+            <a:extLst>
+              <a:ext uri="{FF2B5EF4-FFF2-40B4-BE49-F238E27FC236}">
+                <a16:creationId xmlns:a16="http://schemas.microsoft.com/office/drawing/2014/main" id="{A6629D47-A544-405B-AEA5-FCB7621DC440}"/>
+              </a:ext>
+            </a:extLst>
+          </p:cNvPr>
+          <p:cNvSpPr/>
+          <p:nvPr/>
+        </p:nvSpPr>
+        <p:spPr>
+          <a:xfrm rot="16200000">
+            <a:off x="5100639" y="4883944"/>
+            <a:ext cx="1604962" cy="795336"/>
+          </a:xfrm>
+          <a:prstGeom prst="rect">
+            <a:avLst/>
+          </a:prstGeom>
+        </p:spPr>
+        <p:style>
+          <a:lnRef idx="3">
+            <a:schemeClr val="lt1"/>
+          </a:lnRef>
+          <a:fillRef idx="1">
+            <a:schemeClr val="accent6"/>
+          </a:fillRef>
+          <a:effectRef idx="1">
+            <a:schemeClr val="accent6"/>
+          </a:effectRef>
+          <a:fontRef idx="minor">
+            <a:schemeClr val="lt1"/>
+          </a:fontRef>
+        </p:style>
+        <p:txBody>
+          <a:bodyPr rtlCol="0" anchor="ctr"/>
+          <a:lstStyle/>
+          <a:p>
+            <a:pPr algn="ctr"/>
+            <a:r>
+              <a:rPr lang="en-US" dirty="0"/>
+              <a:t>Pressure Sensor (MPX7025G)</a:t>
+            </a:r>
+          </a:p>
+        </p:txBody>
+      </p:sp>
+      <p:sp>
+        <p:nvSpPr>
+          <p:cNvPr id="12" name="Rectangle 11">
+            <a:extLst>
+              <a:ext uri="{FF2B5EF4-FFF2-40B4-BE49-F238E27FC236}">
+                <a16:creationId xmlns:a16="http://schemas.microsoft.com/office/drawing/2014/main" id="{9FF84FF6-DFEE-4E2F-9CBD-183D8C18E766}"/>
+              </a:ext>
+            </a:extLst>
+          </p:cNvPr>
+          <p:cNvSpPr/>
+          <p:nvPr/>
+        </p:nvSpPr>
+        <p:spPr>
+          <a:xfrm>
+            <a:off x="1223369" y="3146820"/>
+            <a:ext cx="2300288" cy="1328737"/>
+          </a:xfrm>
+          <a:prstGeom prst="rect">
+            <a:avLst/>
+          </a:prstGeom>
+          <a:solidFill>
+            <a:srgbClr val="00B0F0"/>
+          </a:solidFill>
+        </p:spPr>
+        <p:style>
+          <a:lnRef idx="2">
+            <a:schemeClr val="accent2">
+              <a:shade val="50000"/>
+            </a:schemeClr>
+          </a:lnRef>
+          <a:fillRef idx="1">
+            <a:schemeClr val="accent2"/>
+          </a:fillRef>
+          <a:effectRef idx="0">
+            <a:schemeClr val="accent2"/>
+          </a:effectRef>
+          <a:fontRef idx="minor">
+            <a:schemeClr val="lt1"/>
+          </a:fontRef>
+        </p:style>
+        <p:txBody>
+          <a:bodyPr rtlCol="0" anchor="ctr"/>
+          <a:lstStyle/>
+          <a:p>
+            <a:pPr algn="ctr"/>
+            <a:r>
+              <a:rPr lang="en-US" dirty="0"/>
+              <a:t>Lung Model</a:t>
+            </a:r>
+          </a:p>
+          <a:p>
+            <a:pPr algn="ctr"/>
+            <a:r>
+              <a:rPr lang="en-US" dirty="0"/>
+              <a:t>1L</a:t>
+            </a:r>
+          </a:p>
+        </p:txBody>
+      </p:sp>
+      <p:sp>
+        <p:nvSpPr>
+          <p:cNvPr id="13" name="Rectangle 12">
+            <a:extLst>
+              <a:ext uri="{FF2B5EF4-FFF2-40B4-BE49-F238E27FC236}">
+                <a16:creationId xmlns:a16="http://schemas.microsoft.com/office/drawing/2014/main" id="{BCC27381-D139-4FA1-9A16-DC55E876ACEB}"/>
+              </a:ext>
+            </a:extLst>
+          </p:cNvPr>
+          <p:cNvSpPr/>
+          <p:nvPr/>
+        </p:nvSpPr>
+        <p:spPr>
+          <a:xfrm>
+            <a:off x="4052889" y="3150393"/>
+            <a:ext cx="1208485" cy="1328737"/>
+          </a:xfrm>
+          <a:prstGeom prst="rect">
+            <a:avLst/>
+          </a:prstGeom>
+          <a:solidFill>
+            <a:srgbClr val="00B0F0"/>
+          </a:solidFill>
+        </p:spPr>
+        <p:style>
+          <a:lnRef idx="2">
+            <a:schemeClr val="accent2">
+              <a:shade val="50000"/>
+            </a:schemeClr>
+          </a:lnRef>
+          <a:fillRef idx="1">
+            <a:schemeClr val="accent2"/>
+          </a:fillRef>
+          <a:effectRef idx="0">
+            <a:schemeClr val="accent2"/>
+          </a:effectRef>
+          <a:fontRef idx="minor">
+            <a:schemeClr val="lt1"/>
+          </a:fontRef>
+        </p:style>
+        <p:txBody>
+          <a:bodyPr rtlCol="0" anchor="ctr"/>
+          <a:lstStyle/>
+          <a:p>
+            <a:pPr algn="ctr"/>
+            <a:r>
+              <a:rPr lang="en-US" dirty="0"/>
+              <a:t>Added Lung Volume (optional)</a:t>
+            </a:r>
+          </a:p>
+        </p:txBody>
+      </p:sp>
+      <p:cxnSp>
+        <p:nvCxnSpPr>
+          <p:cNvPr id="15" name="Straight Arrow Connector 14">
+            <a:extLst>
+              <a:ext uri="{FF2B5EF4-FFF2-40B4-BE49-F238E27FC236}">
+                <a16:creationId xmlns:a16="http://schemas.microsoft.com/office/drawing/2014/main" id="{B264BDAC-1881-4A53-ADBE-08B17F2F0052}"/>
+              </a:ext>
+            </a:extLst>
+          </p:cNvPr>
+          <p:cNvCxnSpPr>
+            <a:stCxn id="4" idx="3"/>
+            <a:endCxn id="5" idx="1"/>
+          </p:cNvCxnSpPr>
+          <p:nvPr/>
+        </p:nvCxnSpPr>
+        <p:spPr>
+          <a:xfrm>
+            <a:off x="3501630" y="1300162"/>
+            <a:ext cx="1051916" cy="0"/>
+          </a:xfrm>
+          <a:prstGeom prst="straightConnector1">
+            <a:avLst/>
+          </a:prstGeom>
+          <a:ln w="76200">
+            <a:tailEnd type="triangle"/>
+          </a:ln>
+        </p:spPr>
+        <p:style>
+          <a:lnRef idx="1">
+            <a:schemeClr val="dk1"/>
+          </a:lnRef>
+          <a:fillRef idx="0">
+            <a:schemeClr val="dk1"/>
+          </a:fillRef>
+          <a:effectRef idx="0">
+            <a:schemeClr val="dk1"/>
+          </a:effectRef>
+          <a:fontRef idx="minor">
+            <a:schemeClr val="tx1"/>
+          </a:fontRef>
+        </p:style>
+      </p:cxnSp>
+      <p:cxnSp>
+        <p:nvCxnSpPr>
+          <p:cNvPr id="18" name="Straight Arrow Connector 17">
+            <a:extLst>
+              <a:ext uri="{FF2B5EF4-FFF2-40B4-BE49-F238E27FC236}">
+                <a16:creationId xmlns:a16="http://schemas.microsoft.com/office/drawing/2014/main" id="{18093E28-B4F7-49B9-9829-1A727F668EC9}"/>
+              </a:ext>
+            </a:extLst>
+          </p:cNvPr>
+          <p:cNvCxnSpPr/>
+          <p:nvPr/>
+        </p:nvCxnSpPr>
+        <p:spPr>
+          <a:xfrm>
+            <a:off x="6853834" y="1281110"/>
+            <a:ext cx="1051916" cy="0"/>
+          </a:xfrm>
+          <a:prstGeom prst="straightConnector1">
+            <a:avLst/>
+          </a:prstGeom>
+          <a:ln w="76200">
+            <a:tailEnd type="triangle"/>
+          </a:ln>
+        </p:spPr>
+        <p:style>
+          <a:lnRef idx="1">
+            <a:schemeClr val="dk1"/>
+          </a:lnRef>
+          <a:fillRef idx="0">
+            <a:schemeClr val="dk1"/>
+          </a:fillRef>
+          <a:effectRef idx="0">
+            <a:schemeClr val="dk1"/>
+          </a:effectRef>
+          <a:fontRef idx="minor">
+            <a:schemeClr val="tx1"/>
+          </a:fontRef>
+        </p:style>
+      </p:cxnSp>
+      <p:cxnSp>
+        <p:nvCxnSpPr>
+          <p:cNvPr id="19" name="Straight Arrow Connector 18">
+            <a:extLst>
+              <a:ext uri="{FF2B5EF4-FFF2-40B4-BE49-F238E27FC236}">
+                <a16:creationId xmlns:a16="http://schemas.microsoft.com/office/drawing/2014/main" id="{242FD159-1A54-443F-8AE2-6F49B95991F2}"/>
+              </a:ext>
+            </a:extLst>
+          </p:cNvPr>
+          <p:cNvCxnSpPr>
+            <a:cxnSpLocks/>
+            <a:stCxn id="6" idx="2"/>
+          </p:cNvCxnSpPr>
+          <p:nvPr/>
+        </p:nvCxnSpPr>
+        <p:spPr>
+          <a:xfrm>
+            <a:off x="9055895" y="1964530"/>
+            <a:ext cx="0" cy="1185863"/>
+          </a:xfrm>
+          <a:prstGeom prst="straightConnector1">
+            <a:avLst/>
+          </a:prstGeom>
+          <a:ln w="76200">
+            <a:tailEnd type="triangle"/>
+          </a:ln>
+        </p:spPr>
+        <p:style>
+          <a:lnRef idx="1">
+            <a:schemeClr val="dk1"/>
+          </a:lnRef>
+          <a:fillRef idx="0">
+            <a:schemeClr val="dk1"/>
+          </a:fillRef>
+          <a:effectRef idx="0">
+            <a:schemeClr val="dk1"/>
+          </a:effectRef>
+          <a:fontRef idx="minor">
+            <a:schemeClr val="tx1"/>
+          </a:fontRef>
+        </p:style>
+      </p:cxnSp>
+      <p:cxnSp>
+        <p:nvCxnSpPr>
+          <p:cNvPr id="26" name="Connector: Elbow 25">
+            <a:extLst>
+              <a:ext uri="{FF2B5EF4-FFF2-40B4-BE49-F238E27FC236}">
+                <a16:creationId xmlns:a16="http://schemas.microsoft.com/office/drawing/2014/main" id="{3B351CC0-1FB3-405C-BF78-730022797833}"/>
+              </a:ext>
+            </a:extLst>
+          </p:cNvPr>
+          <p:cNvCxnSpPr>
+            <a:cxnSpLocks/>
+            <a:stCxn id="8" idx="1"/>
+            <a:endCxn id="7" idx="0"/>
+          </p:cNvCxnSpPr>
+          <p:nvPr/>
+        </p:nvCxnSpPr>
+        <p:spPr>
+          <a:xfrm rot="10800000" flipV="1">
+            <a:off x="9055895" y="2396728"/>
+            <a:ext cx="1223964" cy="732234"/>
+          </a:xfrm>
+          <a:prstGeom prst="bentConnector2">
+            <a:avLst/>
+          </a:prstGeom>
+          <a:ln w="57150">
+            <a:tailEnd type="triangle"/>
+          </a:ln>
+        </p:spPr>
+        <p:style>
+          <a:lnRef idx="1">
+            <a:schemeClr val="dk1"/>
+          </a:lnRef>
+          <a:fillRef idx="0">
+            <a:schemeClr val="dk1"/>
+          </a:fillRef>
+          <a:effectRef idx="0">
+            <a:schemeClr val="dk1"/>
+          </a:effectRef>
+          <a:fontRef idx="minor">
+            <a:schemeClr val="tx1"/>
+          </a:fontRef>
+        </p:style>
+      </p:cxnSp>
+      <p:cxnSp>
+        <p:nvCxnSpPr>
+          <p:cNvPr id="27" name="Connector: Elbow 26">
+            <a:extLst>
+              <a:ext uri="{FF2B5EF4-FFF2-40B4-BE49-F238E27FC236}">
+                <a16:creationId xmlns:a16="http://schemas.microsoft.com/office/drawing/2014/main" id="{3A1165D8-E685-4633-9C7F-F1224598A993}"/>
+              </a:ext>
+            </a:extLst>
+          </p:cNvPr>
+          <p:cNvCxnSpPr>
+            <a:cxnSpLocks/>
+            <a:stCxn id="11" idx="3"/>
+            <a:endCxn id="13" idx="3"/>
+          </p:cNvCxnSpPr>
+          <p:nvPr/>
+        </p:nvCxnSpPr>
+        <p:spPr>
+          <a:xfrm rot="16200000" flipV="1">
+            <a:off x="5250063" y="3826074"/>
+            <a:ext cx="664369" cy="641746"/>
+          </a:xfrm>
+          <a:prstGeom prst="bentConnector2">
+            <a:avLst/>
+          </a:prstGeom>
+          <a:ln w="76200">
+            <a:tailEnd type="triangle"/>
+          </a:ln>
+        </p:spPr>
+        <p:style>
+          <a:lnRef idx="1">
+            <a:schemeClr val="dk1"/>
+          </a:lnRef>
+          <a:fillRef idx="0">
+            <a:schemeClr val="dk1"/>
+          </a:fillRef>
+          <a:effectRef idx="0">
+            <a:schemeClr val="dk1"/>
+          </a:effectRef>
+          <a:fontRef idx="minor">
+            <a:schemeClr val="tx1"/>
+          </a:fontRef>
+        </p:style>
+      </p:cxnSp>
+      <p:cxnSp>
+        <p:nvCxnSpPr>
+          <p:cNvPr id="30" name="Straight Arrow Connector 29">
+            <a:extLst>
+              <a:ext uri="{FF2B5EF4-FFF2-40B4-BE49-F238E27FC236}">
+                <a16:creationId xmlns:a16="http://schemas.microsoft.com/office/drawing/2014/main" id="{33D15ACF-44C9-4449-B7DA-A9DEA4AFAE8C}"/>
+              </a:ext>
+            </a:extLst>
+          </p:cNvPr>
+          <p:cNvCxnSpPr>
+            <a:cxnSpLocks/>
+            <a:stCxn id="13" idx="1"/>
+            <a:endCxn id="12" idx="3"/>
+          </p:cNvCxnSpPr>
+          <p:nvPr/>
+        </p:nvCxnSpPr>
+        <p:spPr>
+          <a:xfrm flipH="1" flipV="1">
+            <a:off x="3523657" y="3811189"/>
+            <a:ext cx="529232" cy="3573"/>
+          </a:xfrm>
+          <a:prstGeom prst="straightConnector1">
+            <a:avLst/>
+          </a:prstGeom>
+          <a:ln w="76200">
+            <a:tailEnd type="triangle"/>
+          </a:ln>
+        </p:spPr>
+        <p:style>
+          <a:lnRef idx="1">
+            <a:schemeClr val="dk1"/>
+          </a:lnRef>
+          <a:fillRef idx="0">
+            <a:schemeClr val="dk1"/>
+          </a:fillRef>
+          <a:effectRef idx="0">
+            <a:schemeClr val="dk1"/>
+          </a:effectRef>
+          <a:fontRef idx="minor">
+            <a:schemeClr val="tx1"/>
+          </a:fontRef>
+        </p:style>
+      </p:cxnSp>
+    </p:spTree>
+    <p:extLst>
+      <p:ext uri="{BB962C8B-B14F-4D97-AF65-F5344CB8AC3E}">
+        <p14:creationId xmlns:p14="http://schemas.microsoft.com/office/powerpoint/2010/main" val="887190070"/>
+      </p:ext>
+    </p:extLst>
+  </p:cSld>
+  <p:clrMapOvr>
+    <a:masterClrMapping/>
+  </p:clrMapOvr>
+</p:sld>
+</file>
+
+<file path=ppt/slides/slide3.xml><?xml version="1.0" encoding="utf-8"?>
+<p:sld xmlns:a="http://schemas.openxmlformats.org/drawingml/2006/main" xmlns:r="http://schemas.openxmlformats.org/officeDocument/2006/relationships" xmlns:p="http://schemas.openxmlformats.org/presentationml/2006/main">
+  <p:cSld>
+    <p:spTree>
+      <p:nvGrpSpPr>
+        <p:cNvPr id="1" name=""/>
+        <p:cNvGrpSpPr/>
+        <p:nvPr/>
+      </p:nvGrpSpPr>
+      <p:grpSpPr>
+        <a:xfrm>
+          <a:off x="0" y="0"/>
+          <a:ext cx="0" cy="0"/>
+          <a:chOff x="0" y="0"/>
+          <a:chExt cx="0" cy="0"/>
+        </a:xfrm>
+      </p:grpSpPr>
+      <p:pic>
+        <p:nvPicPr>
+          <p:cNvPr id="2" name="Picture 1">
+            <a:extLst>
+              <a:ext uri="{FF2B5EF4-FFF2-40B4-BE49-F238E27FC236}">
+                <a16:creationId xmlns:a16="http://schemas.microsoft.com/office/drawing/2014/main" id="{B9DDDFB6-85F0-4879-89FB-3963B36AA2AA}"/>
+              </a:ext>
+            </a:extLst>
+          </p:cNvPr>
+          <p:cNvPicPr>
+            <a:picLocks noChangeAspect="1"/>
+          </p:cNvPicPr>
+          <p:nvPr/>
+        </p:nvPicPr>
+        <p:blipFill>
+          <a:blip r:embed="rId2">
+            <a:clrChange>
+              <a:clrFrom>
+                <a:srgbClr val="FFFFFF"/>
+              </a:clrFrom>
+              <a:clrTo>
+                <a:srgbClr val="FFFFFF">
+                  <a:alpha val="0"/>
+                </a:srgbClr>
+              </a:clrTo>
+            </a:clrChange>
+          </a:blip>
+          <a:stretch>
+            <a:fillRect/>
+          </a:stretch>
+        </p:blipFill>
+        <p:spPr>
+          <a:xfrm>
+            <a:off x="198783" y="273607"/>
+            <a:ext cx="11934272" cy="6385610"/>
+          </a:xfrm>
+          <a:prstGeom prst="rect">
+            <a:avLst/>
+          </a:prstGeom>
+        </p:spPr>
+      </p:pic>
+    </p:spTree>
+    <p:extLst>
+      <p:ext uri="{BB962C8B-B14F-4D97-AF65-F5344CB8AC3E}">
+        <p14:creationId xmlns:p14="http://schemas.microsoft.com/office/powerpoint/2010/main" val="2324019632"/>
+      </p:ext>
+    </p:extLst>
+  </p:cSld>
+  <p:clrMapOvr>
+    <a:masterClrMapping/>
+  </p:clrMapOvr>
+</p:sld>
+</file>
+
 <file path=ppt/theme/theme1.xml><?xml version="1.0" encoding="utf-8"?>
 <a:theme xmlns:a="http://schemas.openxmlformats.org/drawingml/2006/main" name="Office Theme">
   <a:themeElements>

--- a/images/yvent_images.pptx
+++ b/images/yvent_images.pptx
@@ -7,7 +7,7 @@
   <p:sldIdLst>
     <p:sldId id="256" r:id="rId2"/>
     <p:sldId id="257" r:id="rId3"/>
-    <p:sldId id="258" r:id="rId4"/>
+    <p:sldId id="259" r:id="rId4"/>
   </p:sldIdLst>
   <p:sldSz cx="12192000" cy="6858000"/>
   <p:notesSz cx="6858000" cy="9144000"/>
@@ -261,7 +261,7 @@
           <a:p>
             <a:fld id="{AEB85999-FE05-4A12-ABAB-F40B557C40D7}" type="datetimeFigureOut">
               <a:rPr lang="en-US" smtClean="0"/>
-              <a:t>4/5/2020</a:t>
+              <a:t>4/14/2020</a:t>
             </a:fld>
             <a:endParaRPr lang="en-US"/>
           </a:p>
@@ -459,7 +459,7 @@
           <a:p>
             <a:fld id="{AEB85999-FE05-4A12-ABAB-F40B557C40D7}" type="datetimeFigureOut">
               <a:rPr lang="en-US" smtClean="0"/>
-              <a:t>4/5/2020</a:t>
+              <a:t>4/14/2020</a:t>
             </a:fld>
             <a:endParaRPr lang="en-US"/>
           </a:p>
@@ -667,7 +667,7 @@
           <a:p>
             <a:fld id="{AEB85999-FE05-4A12-ABAB-F40B557C40D7}" type="datetimeFigureOut">
               <a:rPr lang="en-US" smtClean="0"/>
-              <a:t>4/5/2020</a:t>
+              <a:t>4/14/2020</a:t>
             </a:fld>
             <a:endParaRPr lang="en-US"/>
           </a:p>
@@ -865,7 +865,7 @@
           <a:p>
             <a:fld id="{AEB85999-FE05-4A12-ABAB-F40B557C40D7}" type="datetimeFigureOut">
               <a:rPr lang="en-US" smtClean="0"/>
-              <a:t>4/5/2020</a:t>
+              <a:t>4/14/2020</a:t>
             </a:fld>
             <a:endParaRPr lang="en-US"/>
           </a:p>
@@ -1140,7 +1140,7 @@
           <a:p>
             <a:fld id="{AEB85999-FE05-4A12-ABAB-F40B557C40D7}" type="datetimeFigureOut">
               <a:rPr lang="en-US" smtClean="0"/>
-              <a:t>4/5/2020</a:t>
+              <a:t>4/14/2020</a:t>
             </a:fld>
             <a:endParaRPr lang="en-US"/>
           </a:p>
@@ -1405,7 +1405,7 @@
           <a:p>
             <a:fld id="{AEB85999-FE05-4A12-ABAB-F40B557C40D7}" type="datetimeFigureOut">
               <a:rPr lang="en-US" smtClean="0"/>
-              <a:t>4/5/2020</a:t>
+              <a:t>4/14/2020</a:t>
             </a:fld>
             <a:endParaRPr lang="en-US"/>
           </a:p>
@@ -1817,7 +1817,7 @@
           <a:p>
             <a:fld id="{AEB85999-FE05-4A12-ABAB-F40B557C40D7}" type="datetimeFigureOut">
               <a:rPr lang="en-US" smtClean="0"/>
-              <a:t>4/5/2020</a:t>
+              <a:t>4/14/2020</a:t>
             </a:fld>
             <a:endParaRPr lang="en-US"/>
           </a:p>
@@ -1958,7 +1958,7 @@
           <a:p>
             <a:fld id="{AEB85999-FE05-4A12-ABAB-F40B557C40D7}" type="datetimeFigureOut">
               <a:rPr lang="en-US" smtClean="0"/>
-              <a:t>4/5/2020</a:t>
+              <a:t>4/14/2020</a:t>
             </a:fld>
             <a:endParaRPr lang="en-US"/>
           </a:p>
@@ -2071,7 +2071,7 @@
           <a:p>
             <a:fld id="{AEB85999-FE05-4A12-ABAB-F40B557C40D7}" type="datetimeFigureOut">
               <a:rPr lang="en-US" smtClean="0"/>
-              <a:t>4/5/2020</a:t>
+              <a:t>4/14/2020</a:t>
             </a:fld>
             <a:endParaRPr lang="en-US"/>
           </a:p>
@@ -2382,7 +2382,7 @@
           <a:p>
             <a:fld id="{AEB85999-FE05-4A12-ABAB-F40B557C40D7}" type="datetimeFigureOut">
               <a:rPr lang="en-US" smtClean="0"/>
-              <a:t>4/5/2020</a:t>
+              <a:t>4/14/2020</a:t>
             </a:fld>
             <a:endParaRPr lang="en-US"/>
           </a:p>
@@ -2670,7 +2670,7 @@
           <a:p>
             <a:fld id="{AEB85999-FE05-4A12-ABAB-F40B557C40D7}" type="datetimeFigureOut">
               <a:rPr lang="en-US" smtClean="0"/>
-              <a:t>4/5/2020</a:t>
+              <a:t>4/14/2020</a:t>
             </a:fld>
             <a:endParaRPr lang="en-US"/>
           </a:p>
@@ -2911,7 +2911,7 @@
           <a:p>
             <a:fld id="{AEB85999-FE05-4A12-ABAB-F40B557C40D7}" type="datetimeFigureOut">
               <a:rPr lang="en-US" smtClean="0"/>
-              <a:t>4/5/2020</a:t>
+              <a:t>4/14/2020</a:t>
             </a:fld>
             <a:endParaRPr lang="en-US"/>
           </a:p>
@@ -4395,10 +4395,10 @@
       </p:grpSpPr>
       <p:pic>
         <p:nvPicPr>
-          <p:cNvPr id="2" name="Picture 1">
-            <a:extLst>
-              <a:ext uri="{FF2B5EF4-FFF2-40B4-BE49-F238E27FC236}">
-                <a16:creationId xmlns:a16="http://schemas.microsoft.com/office/drawing/2014/main" id="{B9DDDFB6-85F0-4879-89FB-3963B36AA2AA}"/>
+          <p:cNvPr id="4" name="Picture 3" descr="A picture containing person, indoor, man, holding&#10;&#10;Description automatically generated">
+            <a:extLst>
+              <a:ext uri="{FF2B5EF4-FFF2-40B4-BE49-F238E27FC236}">
+                <a16:creationId xmlns:a16="http://schemas.microsoft.com/office/drawing/2014/main" id="{C15954A9-A704-40D0-80BC-F71426EA3595}"/>
               </a:ext>
             </a:extLst>
           </p:cNvPr>
@@ -4409,25 +4409,56 @@
         </p:nvPicPr>
         <p:blipFill>
           <a:blip r:embed="rId2">
-            <a:clrChange>
-              <a:clrFrom>
-                <a:srgbClr val="FFFFFF"/>
-              </a:clrFrom>
-              <a:clrTo>
-                <a:srgbClr val="FFFFFF">
-                  <a:alpha val="0"/>
-                </a:srgbClr>
-              </a:clrTo>
-            </a:clrChange>
+            <a:extLst>
+              <a:ext uri="{28A0092B-C50C-407E-A947-70E740481C1C}">
+                <a14:useLocalDpi xmlns:a14="http://schemas.microsoft.com/office/drawing/2010/main" val="0"/>
+              </a:ext>
+            </a:extLst>
           </a:blip>
           <a:stretch>
             <a:fillRect/>
           </a:stretch>
         </p:blipFill>
         <p:spPr>
-          <a:xfrm>
-            <a:off x="198783" y="273607"/>
-            <a:ext cx="11934272" cy="6385610"/>
+          <a:xfrm rot="16200000">
+            <a:off x="945091" y="1129242"/>
+            <a:ext cx="5647267" cy="4235450"/>
+          </a:xfrm>
+          <a:prstGeom prst="rect">
+            <a:avLst/>
+          </a:prstGeom>
+        </p:spPr>
+      </p:pic>
+      <p:pic>
+        <p:nvPicPr>
+          <p:cNvPr id="6" name="Picture 5" descr="A picture containing indoor, table, sitting, wooden&#10;&#10;Description automatically generated">
+            <a:extLst>
+              <a:ext uri="{FF2B5EF4-FFF2-40B4-BE49-F238E27FC236}">
+                <a16:creationId xmlns:a16="http://schemas.microsoft.com/office/drawing/2014/main" id="{B859B4E2-B6F5-4085-B6A0-0157EDAA023D}"/>
+              </a:ext>
+            </a:extLst>
+          </p:cNvPr>
+          <p:cNvPicPr>
+            <a:picLocks noChangeAspect="1"/>
+          </p:cNvPicPr>
+          <p:nvPr/>
+        </p:nvPicPr>
+        <p:blipFill>
+          <a:blip r:embed="rId3">
+            <a:extLst>
+              <a:ext uri="{28A0092B-C50C-407E-A947-70E740481C1C}">
+                <a14:useLocalDpi xmlns:a14="http://schemas.microsoft.com/office/drawing/2010/main" val="0"/>
+              </a:ext>
+            </a:extLst>
+          </a:blip>
+          <a:stretch>
+            <a:fillRect/>
+          </a:stretch>
+        </p:blipFill>
+        <p:spPr>
+          <a:xfrm rot="5400000">
+            <a:off x="5180542" y="1129240"/>
+            <a:ext cx="5647269" cy="4235452"/>
           </a:xfrm>
           <a:prstGeom prst="rect">
             <a:avLst/>
@@ -4437,7 +4468,7 @@
     </p:spTree>
     <p:extLst>
       <p:ext uri="{BB962C8B-B14F-4D97-AF65-F5344CB8AC3E}">
-        <p14:creationId xmlns:p14="http://schemas.microsoft.com/office/powerpoint/2010/main" val="2324019632"/>
+        <p14:creationId xmlns:p14="http://schemas.microsoft.com/office/powerpoint/2010/main" val="3380000216"/>
       </p:ext>
     </p:extLst>
   </p:cSld>
